--- a/nginx/软件.pptx
+++ b/nginx/软件.pptx
@@ -5,7 +5,7 @@
     <p:sldMasterId id="2147483648" r:id="rId1"/>
   </p:sldMasterIdLst>
   <p:notesMasterIdLst>
-    <p:notesMasterId r:id="rId8"/>
+    <p:notesMasterId r:id="rId9"/>
   </p:notesMasterIdLst>
   <p:sldIdLst>
     <p:sldId id="256" r:id="rId2"/>
@@ -13,7 +13,8 @@
     <p:sldId id="258" r:id="rId4"/>
     <p:sldId id="259" r:id="rId5"/>
     <p:sldId id="261" r:id="rId6"/>
-    <p:sldId id="260" r:id="rId7"/>
+    <p:sldId id="262" r:id="rId7"/>
+    <p:sldId id="260" r:id="rId8"/>
   </p:sldIdLst>
   <p:sldSz cx="12192000" cy="6858000"/>
   <p:notesSz cx="6858000" cy="9144000"/>
@@ -202,7 +203,7 @@
           <a:p>
             <a:fld id="{634DE13D-865F-4CC8-A18D-70627686F74E}" type="datetimeFigureOut">
               <a:rPr lang="zh-CN" altLang="en-US" smtClean="0"/>
-              <a:t>2017/3/1</a:t>
+              <a:t>2017/3/15</a:t>
             </a:fld>
             <a:endParaRPr lang="zh-CN" altLang="en-US"/>
           </a:p>
@@ -926,7 +927,7 @@
           <a:p>
             <a:fld id="{337B1786-41AF-4F7C-879A-C3E893E85863}" type="datetimeFigureOut">
               <a:rPr lang="zh-CN" altLang="en-US" smtClean="0"/>
-              <a:t>2017/3/1</a:t>
+              <a:t>2017/3/15</a:t>
             </a:fld>
             <a:endParaRPr lang="zh-CN" altLang="en-US"/>
           </a:p>
@@ -1096,7 +1097,7 @@
           <a:p>
             <a:fld id="{337B1786-41AF-4F7C-879A-C3E893E85863}" type="datetimeFigureOut">
               <a:rPr lang="zh-CN" altLang="en-US" smtClean="0"/>
-              <a:t>2017/3/1</a:t>
+              <a:t>2017/3/15</a:t>
             </a:fld>
             <a:endParaRPr lang="zh-CN" altLang="en-US"/>
           </a:p>
@@ -1276,7 +1277,7 @@
           <a:p>
             <a:fld id="{337B1786-41AF-4F7C-879A-C3E893E85863}" type="datetimeFigureOut">
               <a:rPr lang="zh-CN" altLang="en-US" smtClean="0"/>
-              <a:t>2017/3/1</a:t>
+              <a:t>2017/3/15</a:t>
             </a:fld>
             <a:endParaRPr lang="zh-CN" altLang="en-US"/>
           </a:p>
@@ -1446,7 +1447,7 @@
           <a:p>
             <a:fld id="{337B1786-41AF-4F7C-879A-C3E893E85863}" type="datetimeFigureOut">
               <a:rPr lang="zh-CN" altLang="en-US" smtClean="0"/>
-              <a:t>2017/3/1</a:t>
+              <a:t>2017/3/15</a:t>
             </a:fld>
             <a:endParaRPr lang="zh-CN" altLang="en-US"/>
           </a:p>
@@ -1692,7 +1693,7 @@
           <a:p>
             <a:fld id="{337B1786-41AF-4F7C-879A-C3E893E85863}" type="datetimeFigureOut">
               <a:rPr lang="zh-CN" altLang="en-US" smtClean="0"/>
-              <a:t>2017/3/1</a:t>
+              <a:t>2017/3/15</a:t>
             </a:fld>
             <a:endParaRPr lang="zh-CN" altLang="en-US"/>
           </a:p>
@@ -1924,7 +1925,7 @@
           <a:p>
             <a:fld id="{337B1786-41AF-4F7C-879A-C3E893E85863}" type="datetimeFigureOut">
               <a:rPr lang="zh-CN" altLang="en-US" smtClean="0"/>
-              <a:t>2017/3/1</a:t>
+              <a:t>2017/3/15</a:t>
             </a:fld>
             <a:endParaRPr lang="zh-CN" altLang="en-US"/>
           </a:p>
@@ -2291,7 +2292,7 @@
           <a:p>
             <a:fld id="{337B1786-41AF-4F7C-879A-C3E893E85863}" type="datetimeFigureOut">
               <a:rPr lang="zh-CN" altLang="en-US" smtClean="0"/>
-              <a:t>2017/3/1</a:t>
+              <a:t>2017/3/15</a:t>
             </a:fld>
             <a:endParaRPr lang="zh-CN" altLang="en-US"/>
           </a:p>
@@ -2409,7 +2410,7 @@
           <a:p>
             <a:fld id="{337B1786-41AF-4F7C-879A-C3E893E85863}" type="datetimeFigureOut">
               <a:rPr lang="zh-CN" altLang="en-US" smtClean="0"/>
-              <a:t>2017/3/1</a:t>
+              <a:t>2017/3/15</a:t>
             </a:fld>
             <a:endParaRPr lang="zh-CN" altLang="en-US"/>
           </a:p>
@@ -2504,7 +2505,7 @@
           <a:p>
             <a:fld id="{337B1786-41AF-4F7C-879A-C3E893E85863}" type="datetimeFigureOut">
               <a:rPr lang="zh-CN" altLang="en-US" smtClean="0"/>
-              <a:t>2017/3/1</a:t>
+              <a:t>2017/3/15</a:t>
             </a:fld>
             <a:endParaRPr lang="zh-CN" altLang="en-US"/>
           </a:p>
@@ -2781,7 +2782,7 @@
           <a:p>
             <a:fld id="{337B1786-41AF-4F7C-879A-C3E893E85863}" type="datetimeFigureOut">
               <a:rPr lang="zh-CN" altLang="en-US" smtClean="0"/>
-              <a:t>2017/3/1</a:t>
+              <a:t>2017/3/15</a:t>
             </a:fld>
             <a:endParaRPr lang="zh-CN" altLang="en-US"/>
           </a:p>
@@ -3034,7 +3035,7 @@
           <a:p>
             <a:fld id="{337B1786-41AF-4F7C-879A-C3E893E85863}" type="datetimeFigureOut">
               <a:rPr lang="zh-CN" altLang="en-US" smtClean="0"/>
-              <a:t>2017/3/1</a:t>
+              <a:t>2017/3/15</a:t>
             </a:fld>
             <a:endParaRPr lang="zh-CN" altLang="en-US"/>
           </a:p>
@@ -3247,7 +3248,7 @@
           <a:p>
             <a:fld id="{337B1786-41AF-4F7C-879A-C3E893E85863}" type="datetimeFigureOut">
               <a:rPr lang="zh-CN" altLang="en-US" smtClean="0"/>
-              <a:t>2017/3/1</a:t>
+              <a:t>2017/3/15</a:t>
             </a:fld>
             <a:endParaRPr lang="zh-CN" altLang="en-US"/>
           </a:p>
@@ -4457,11 +4458,7 @@
             </a:r>
             <a:r>
               <a:rPr lang="zh-CN" altLang="en-US" dirty="0" smtClean="0"/>
-              <a:t>平台</a:t>
-            </a:r>
-            <a:r>
-              <a:rPr lang="zh-CN" altLang="en-US" dirty="0" smtClean="0"/>
-              <a:t>管理</a:t>
+              <a:t>平台管理</a:t>
             </a:r>
             <a:endParaRPr lang="zh-CN" altLang="en-US" dirty="0"/>
           </a:p>
@@ -4707,7 +4704,6 @@
               <a:rPr lang="zh-CN" altLang="en-US" dirty="0"/>
               <a:t>平台管理</a:t>
             </a:r>
-            <a:endParaRPr lang="zh-CN" altLang="en-US" dirty="0"/>
           </a:p>
         </p:txBody>
       </p:sp>
@@ -4972,11 +4968,7 @@
             <a:pPr algn="ctr"/>
             <a:r>
               <a:rPr lang="zh-CN" altLang="en-US" dirty="0" smtClean="0"/>
-              <a:t>机构</a:t>
-            </a:r>
-            <a:r>
-              <a:rPr lang="zh-CN" altLang="en-US" dirty="0" smtClean="0"/>
-              <a:t>授权</a:t>
+              <a:t>机构授权</a:t>
             </a:r>
             <a:endParaRPr lang="zh-CN" altLang="en-US" dirty="0"/>
           </a:p>
@@ -5026,7 +5018,6 @@
               <a:rPr lang="zh-CN" altLang="en-US" dirty="0"/>
               <a:t>登记</a:t>
             </a:r>
-            <a:endParaRPr lang="zh-CN" altLang="en-US" dirty="0"/>
           </a:p>
         </p:txBody>
       </p:sp>
@@ -5112,11 +5103,7 @@
             <a:pPr algn="ctr"/>
             <a:r>
               <a:rPr lang="zh-CN" altLang="en-US" dirty="0" smtClean="0"/>
-              <a:t>机构模</a:t>
-            </a:r>
-            <a:r>
-              <a:rPr lang="zh-CN" altLang="en-US" dirty="0" smtClean="0"/>
-              <a:t>组</a:t>
+              <a:t>机构模组</a:t>
             </a:r>
             <a:endParaRPr lang="zh-CN" altLang="en-US" dirty="0"/>
           </a:p>
@@ -5234,8 +5221,8 @@
         </p:nvSpPr>
         <p:spPr>
           <a:xfrm>
-            <a:off x="838200" y="2035078"/>
-            <a:ext cx="10974572" cy="538001"/>
+            <a:off x="487330" y="2035078"/>
+            <a:ext cx="11197958" cy="538001"/>
           </a:xfrm>
           <a:prstGeom prst="rect">
             <a:avLst/>
@@ -5282,8 +5269,8 @@
         </p:nvSpPr>
         <p:spPr>
           <a:xfrm>
-            <a:off x="838200" y="2677869"/>
-            <a:ext cx="3875690" cy="468000"/>
+            <a:off x="487330" y="2677418"/>
+            <a:ext cx="3672000" cy="468000"/>
           </a:xfrm>
           <a:prstGeom prst="rect">
             <a:avLst/>
@@ -5327,14 +5314,14 @@
       </p:sp>
       <p:sp>
         <p:nvSpPr>
-          <p:cNvPr id="7" name="矩形 6"/>
+          <p:cNvPr id="21" name="矩形 20"/>
           <p:cNvSpPr/>
           <p:nvPr/>
         </p:nvSpPr>
         <p:spPr>
           <a:xfrm>
-            <a:off x="838201" y="3250659"/>
-            <a:ext cx="1706374" cy="468000"/>
+            <a:off x="4250309" y="2677418"/>
+            <a:ext cx="3672000" cy="468000"/>
           </a:xfrm>
           <a:prstGeom prst="rect">
             <a:avLst/>
@@ -5362,8 +5349,15 @@
           <a:p>
             <a:pPr algn="ctr"/>
             <a:r>
-              <a:rPr lang="zh-CN" altLang="en-US" dirty="0" smtClean="0"/>
-              <a:t>客户管理</a:t>
+              <a:rPr lang="en-US" altLang="zh-CN" dirty="0" smtClean="0"/>
+              <a:t>IM</a:t>
+            </a:r>
+          </a:p>
+          <a:p>
+            <a:pPr algn="ctr"/>
+            <a:r>
+              <a:rPr lang="en-US" altLang="zh-CN" dirty="0" smtClean="0"/>
+              <a:t>(Inventory Management)</a:t>
             </a:r>
             <a:endParaRPr lang="zh-CN" altLang="en-US" dirty="0"/>
           </a:p>
@@ -5371,14 +5365,14 @@
       </p:sp>
       <p:sp>
         <p:nvSpPr>
-          <p:cNvPr id="8" name="矩形 7"/>
+          <p:cNvPr id="22" name="矩形 21"/>
           <p:cNvSpPr/>
           <p:nvPr/>
         </p:nvSpPr>
         <p:spPr>
           <a:xfrm>
-            <a:off x="838200" y="3823449"/>
-            <a:ext cx="517635" cy="1296000"/>
+            <a:off x="8013288" y="2677418"/>
+            <a:ext cx="3672000" cy="468000"/>
           </a:xfrm>
           <a:prstGeom prst="rect">
             <a:avLst/>
@@ -5401,13 +5395,29 @@
           </a:fontRef>
         </p:style>
         <p:txBody>
-          <a:bodyPr vert="eaVert" rtlCol="0" anchor="ctr"/>
+          <a:bodyPr rtlCol="0" anchor="ctr"/>
           <a:lstStyle/>
           <a:p>
             <a:pPr algn="ctr"/>
             <a:r>
-              <a:rPr lang="zh-CN" altLang="en-US" dirty="0" smtClean="0"/>
-              <a:t>客户信息</a:t>
+              <a:rPr lang="en-US" altLang="zh-CN" dirty="0" smtClean="0"/>
+              <a:t>MMS</a:t>
+            </a:r>
+            <a:endParaRPr lang="en-US" altLang="zh-CN" dirty="0" smtClean="0"/>
+          </a:p>
+          <a:p>
+            <a:pPr algn="ctr"/>
+            <a:r>
+              <a:rPr lang="en-US" altLang="zh-CN" dirty="0" smtClean="0"/>
+              <a:t>(</a:t>
+            </a:r>
+            <a:r>
+              <a:rPr lang="en-US" altLang="zh-CN" dirty="0" smtClean="0"/>
+              <a:t>Member Mg System</a:t>
+            </a:r>
+            <a:r>
+              <a:rPr lang="en-US" altLang="zh-CN" dirty="0" smtClean="0"/>
+              <a:t>)</a:t>
             </a:r>
             <a:endParaRPr lang="zh-CN" altLang="en-US" dirty="0"/>
           </a:p>
@@ -5415,14 +5425,134 @@
       </p:sp>
       <p:sp>
         <p:nvSpPr>
-          <p:cNvPr id="9" name="矩形 8"/>
+          <p:cNvPr id="26" name="矩形 25"/>
           <p:cNvSpPr/>
           <p:nvPr/>
         </p:nvSpPr>
         <p:spPr>
           <a:xfrm>
-            <a:off x="2881332" y="3250659"/>
-            <a:ext cx="1839857" cy="468000"/>
+            <a:off x="487330" y="3249757"/>
+            <a:ext cx="3672000" cy="468000"/>
+          </a:xfrm>
+          <a:prstGeom prst="rect">
+            <a:avLst/>
+          </a:prstGeom>
+        </p:spPr>
+        <p:style>
+          <a:lnRef idx="2">
+            <a:schemeClr val="accent6">
+              <a:shade val="50000"/>
+            </a:schemeClr>
+          </a:lnRef>
+          <a:fillRef idx="1">
+            <a:schemeClr val="accent6"/>
+          </a:fillRef>
+          <a:effectRef idx="0">
+            <a:schemeClr val="accent6"/>
+          </a:effectRef>
+          <a:fontRef idx="minor">
+            <a:schemeClr val="lt1"/>
+          </a:fontRef>
+        </p:style>
+        <p:txBody>
+          <a:bodyPr rtlCol="0" anchor="ctr"/>
+          <a:lstStyle/>
+          <a:p>
+            <a:pPr algn="ctr"/>
+            <a:r>
+              <a:rPr lang="en-US" altLang="zh-CN" dirty="0" smtClean="0"/>
+              <a:t>AMS</a:t>
+            </a:r>
+            <a:endParaRPr lang="en-US" altLang="zh-CN" dirty="0" smtClean="0"/>
+          </a:p>
+          <a:p>
+            <a:pPr algn="ctr"/>
+            <a:r>
+              <a:rPr lang="en-US" altLang="zh-CN" dirty="0" smtClean="0"/>
+              <a:t>(</a:t>
+            </a:r>
+            <a:r>
+              <a:rPr lang="en-US" altLang="zh-CN" dirty="0" smtClean="0"/>
+              <a:t>Agent Management System</a:t>
+            </a:r>
+            <a:r>
+              <a:rPr lang="en-US" altLang="zh-CN" dirty="0" smtClean="0"/>
+              <a:t>)</a:t>
+            </a:r>
+            <a:endParaRPr lang="zh-CN" altLang="en-US" dirty="0"/>
+          </a:p>
+        </p:txBody>
+      </p:sp>
+    </p:spTree>
+    <p:extLst>
+      <p:ext uri="{BB962C8B-B14F-4D97-AF65-F5344CB8AC3E}">
+        <p14:creationId xmlns:p14="http://schemas.microsoft.com/office/powerpoint/2010/main" val="15582771"/>
+      </p:ext>
+    </p:extLst>
+  </p:cSld>
+  <p:clrMapOvr>
+    <a:masterClrMapping/>
+  </p:clrMapOvr>
+</p:sld>
+</file>
+
+<file path=ppt/slides/slide6.xml><?xml version="1.0" encoding="utf-8"?>
+<p:sld xmlns:a="http://schemas.openxmlformats.org/drawingml/2006/main" xmlns:r="http://schemas.openxmlformats.org/officeDocument/2006/relationships" xmlns:p="http://schemas.openxmlformats.org/presentationml/2006/main">
+  <p:cSld>
+    <p:spTree>
+      <p:nvGrpSpPr>
+        <p:cNvPr id="1" name=""/>
+        <p:cNvGrpSpPr/>
+        <p:nvPr/>
+      </p:nvGrpSpPr>
+      <p:grpSpPr>
+        <a:xfrm>
+          <a:off x="0" y="0"/>
+          <a:ext cx="0" cy="0"/>
+          <a:chOff x="0" y="0"/>
+          <a:chExt cx="0" cy="0"/>
+        </a:xfrm>
+      </p:grpSpPr>
+      <p:sp>
+        <p:nvSpPr>
+          <p:cNvPr id="2" name="标题 1"/>
+          <p:cNvSpPr>
+            <a:spLocks noGrp="1"/>
+          </p:cNvSpPr>
+          <p:nvPr>
+            <p:ph type="title"/>
+          </p:nvPr>
+        </p:nvSpPr>
+        <p:spPr/>
+        <p:txBody>
+          <a:bodyPr/>
+          <a:lstStyle/>
+          <a:p>
+            <a:r>
+              <a:rPr lang="en-US" altLang="zh-CN" dirty="0" smtClean="0"/>
+              <a:t>Admin</a:t>
+            </a:r>
+            <a:r>
+              <a:rPr lang="zh-CN" altLang="en-US" dirty="0" smtClean="0"/>
+              <a:t>管理</a:t>
+            </a:r>
+            <a:r>
+              <a:rPr lang="zh-CN" altLang="en-US" dirty="0"/>
+              <a:t>系统</a:t>
+            </a:r>
+          </a:p>
+        </p:txBody>
+      </p:sp>
+      <p:sp>
+        <p:nvSpPr>
+          <p:cNvPr id="4" name="矩形 3"/>
+          <p:cNvSpPr/>
+          <p:nvPr/>
+        </p:nvSpPr>
+        <p:spPr>
+          <a:xfrm>
+            <a:off x="838200" y="2035078"/>
+            <a:ext cx="10974572" cy="538001"/>
           </a:xfrm>
           <a:prstGeom prst="rect">
             <a:avLst/>
@@ -5450,8 +5580,12 @@
           <a:p>
             <a:pPr algn="ctr"/>
             <a:r>
+              <a:rPr lang="en-US" altLang="zh-CN" dirty="0" smtClean="0"/>
+              <a:t>Admin</a:t>
+            </a:r>
+            <a:r>
               <a:rPr lang="zh-CN" altLang="en-US" dirty="0" smtClean="0"/>
-              <a:t>合同管理</a:t>
+              <a:t>管理系统</a:t>
             </a:r>
             <a:endParaRPr lang="zh-CN" altLang="en-US" dirty="0"/>
           </a:p>
@@ -5459,14 +5593,153 @@
       </p:sp>
       <p:sp>
         <p:nvSpPr>
-          <p:cNvPr id="10" name="矩形 9"/>
+          <p:cNvPr id="5" name="矩形 4"/>
           <p:cNvSpPr/>
           <p:nvPr/>
         </p:nvSpPr>
         <p:spPr>
           <a:xfrm>
-            <a:off x="1432570" y="3835209"/>
+            <a:off x="838200" y="2677869"/>
+            <a:ext cx="3875690" cy="468000"/>
+          </a:xfrm>
+          <a:prstGeom prst="rect">
+            <a:avLst/>
+          </a:prstGeom>
+        </p:spPr>
+        <p:style>
+          <a:lnRef idx="2">
+            <a:schemeClr val="accent6">
+              <a:shade val="50000"/>
+            </a:schemeClr>
+          </a:lnRef>
+          <a:fillRef idx="1">
+            <a:schemeClr val="accent6"/>
+          </a:fillRef>
+          <a:effectRef idx="0">
+            <a:schemeClr val="accent6"/>
+          </a:effectRef>
+          <a:fontRef idx="minor">
+            <a:schemeClr val="lt1"/>
+          </a:fontRef>
+        </p:style>
+        <p:txBody>
+          <a:bodyPr rtlCol="0" anchor="ctr"/>
+          <a:lstStyle/>
+          <a:p>
+            <a:pPr algn="ctr"/>
+            <a:r>
+              <a:rPr lang="en-US" altLang="zh-CN" dirty="0" smtClean="0"/>
+              <a:t>CRM</a:t>
+            </a:r>
+          </a:p>
+          <a:p>
+            <a:pPr algn="ctr"/>
+            <a:r>
+              <a:rPr lang="en-US" altLang="zh-CN" dirty="0" smtClean="0"/>
+              <a:t>(Customer Relationship Management)</a:t>
+            </a:r>
+            <a:endParaRPr lang="zh-CN" altLang="en-US" dirty="0"/>
+          </a:p>
+        </p:txBody>
+      </p:sp>
+      <p:sp>
+        <p:nvSpPr>
+          <p:cNvPr id="7" name="矩形 6"/>
+          <p:cNvSpPr/>
+          <p:nvPr/>
+        </p:nvSpPr>
+        <p:spPr>
+          <a:xfrm>
+            <a:off x="838201" y="3250659"/>
+            <a:ext cx="1706374" cy="468000"/>
+          </a:xfrm>
+          <a:prstGeom prst="rect">
+            <a:avLst/>
+          </a:prstGeom>
+        </p:spPr>
+        <p:style>
+          <a:lnRef idx="2">
+            <a:schemeClr val="accent6">
+              <a:shade val="50000"/>
+            </a:schemeClr>
+          </a:lnRef>
+          <a:fillRef idx="1">
+            <a:schemeClr val="accent6"/>
+          </a:fillRef>
+          <a:effectRef idx="0">
+            <a:schemeClr val="accent6"/>
+          </a:effectRef>
+          <a:fontRef idx="minor">
+            <a:schemeClr val="lt1"/>
+          </a:fontRef>
+        </p:style>
+        <p:txBody>
+          <a:bodyPr rtlCol="0" anchor="ctr"/>
+          <a:lstStyle/>
+          <a:p>
+            <a:pPr algn="ctr"/>
+            <a:r>
+              <a:rPr lang="zh-CN" altLang="en-US" dirty="0" smtClean="0"/>
+              <a:t>客户管理</a:t>
+            </a:r>
+            <a:endParaRPr lang="zh-CN" altLang="en-US" dirty="0"/>
+          </a:p>
+        </p:txBody>
+      </p:sp>
+      <p:sp>
+        <p:nvSpPr>
+          <p:cNvPr id="8" name="矩形 7"/>
+          <p:cNvSpPr/>
+          <p:nvPr/>
+        </p:nvSpPr>
+        <p:spPr>
+          <a:xfrm>
+            <a:off x="838200" y="3823449"/>
             <a:ext cx="517635" cy="1296000"/>
+          </a:xfrm>
+          <a:prstGeom prst="rect">
+            <a:avLst/>
+          </a:prstGeom>
+        </p:spPr>
+        <p:style>
+          <a:lnRef idx="2">
+            <a:schemeClr val="accent6">
+              <a:shade val="50000"/>
+            </a:schemeClr>
+          </a:lnRef>
+          <a:fillRef idx="1">
+            <a:schemeClr val="accent6"/>
+          </a:fillRef>
+          <a:effectRef idx="0">
+            <a:schemeClr val="accent6"/>
+          </a:effectRef>
+          <a:fontRef idx="minor">
+            <a:schemeClr val="lt1"/>
+          </a:fontRef>
+        </p:style>
+        <p:txBody>
+          <a:bodyPr vert="eaVert" rtlCol="0" anchor="ctr"/>
+          <a:lstStyle/>
+          <a:p>
+            <a:pPr algn="ctr"/>
+            <a:r>
+              <a:rPr lang="zh-CN" altLang="en-US" dirty="0" smtClean="0"/>
+              <a:t>客户信息</a:t>
+            </a:r>
+            <a:endParaRPr lang="zh-CN" altLang="en-US" dirty="0"/>
+          </a:p>
+        </p:txBody>
+      </p:sp>
+      <p:sp>
+        <p:nvSpPr>
+          <p:cNvPr id="9" name="矩形 8"/>
+          <p:cNvSpPr/>
+          <p:nvPr/>
+        </p:nvSpPr>
+        <p:spPr>
+          <a:xfrm>
+            <a:off x="2881332" y="3250659"/>
+            <a:ext cx="1839857" cy="468000"/>
           </a:xfrm>
           <a:prstGeom prst="rect">
             <a:avLst/>
@@ -5489,17 +5762,13 @@
           </a:fontRef>
         </p:style>
         <p:txBody>
-          <a:bodyPr vert="eaVert" rtlCol="0" anchor="ctr"/>
+          <a:bodyPr rtlCol="0" anchor="ctr"/>
           <a:lstStyle/>
           <a:p>
             <a:pPr algn="ctr"/>
             <a:r>
               <a:rPr lang="zh-CN" altLang="en-US" dirty="0" smtClean="0"/>
-              <a:t>客户</a:t>
-            </a:r>
-            <a:r>
-              <a:rPr lang="zh-CN" altLang="en-US" dirty="0" smtClean="0"/>
-              <a:t>日程</a:t>
+              <a:t>合同管理</a:t>
             </a:r>
             <a:endParaRPr lang="zh-CN" altLang="en-US" dirty="0"/>
           </a:p>
@@ -5507,13 +5776,13 @@
       </p:sp>
       <p:sp>
         <p:nvSpPr>
-          <p:cNvPr id="11" name="矩形 10"/>
+          <p:cNvPr id="10" name="矩形 9"/>
           <p:cNvSpPr/>
           <p:nvPr/>
         </p:nvSpPr>
         <p:spPr>
           <a:xfrm>
-            <a:off x="2881332" y="3823449"/>
+            <a:off x="1432570" y="3835209"/>
             <a:ext cx="517635" cy="1296000"/>
           </a:xfrm>
           <a:prstGeom prst="rect">
@@ -5543,7 +5812,7 @@
             <a:pPr algn="ctr"/>
             <a:r>
               <a:rPr lang="zh-CN" altLang="en-US" dirty="0" smtClean="0"/>
-              <a:t>合同登记</a:t>
+              <a:t>客户日程</a:t>
             </a:r>
             <a:endParaRPr lang="zh-CN" altLang="en-US" dirty="0"/>
           </a:p>
@@ -5551,13 +5820,13 @@
       </p:sp>
       <p:sp>
         <p:nvSpPr>
-          <p:cNvPr id="12" name="矩形 11"/>
+          <p:cNvPr id="11" name="矩形 10"/>
           <p:cNvSpPr/>
           <p:nvPr/>
         </p:nvSpPr>
         <p:spPr>
           <a:xfrm>
-            <a:off x="3531692" y="3823449"/>
+            <a:off x="2881332" y="3823449"/>
             <a:ext cx="517635" cy="1296000"/>
           </a:xfrm>
           <a:prstGeom prst="rect">
@@ -5587,7 +5856,7 @@
             <a:pPr algn="ctr"/>
             <a:r>
               <a:rPr lang="zh-CN" altLang="en-US" dirty="0" smtClean="0"/>
-              <a:t>结算记录</a:t>
+              <a:t>合同登记</a:t>
             </a:r>
             <a:endParaRPr lang="zh-CN" altLang="en-US" dirty="0"/>
           </a:p>
@@ -5595,13 +5864,13 @@
       </p:sp>
       <p:sp>
         <p:nvSpPr>
-          <p:cNvPr id="13" name="矩形 12"/>
+          <p:cNvPr id="12" name="矩形 11"/>
           <p:cNvSpPr/>
           <p:nvPr/>
         </p:nvSpPr>
         <p:spPr>
           <a:xfrm>
-            <a:off x="2026940" y="3834431"/>
+            <a:off x="3531692" y="3823449"/>
             <a:ext cx="517635" cy="1296000"/>
           </a:xfrm>
           <a:prstGeom prst="rect">
@@ -5631,7 +5900,7 @@
             <a:pPr algn="ctr"/>
             <a:r>
               <a:rPr lang="zh-CN" altLang="en-US" dirty="0" smtClean="0"/>
-              <a:t>客户报价</a:t>
+              <a:t>结算记录</a:t>
             </a:r>
             <a:endParaRPr lang="zh-CN" altLang="en-US" dirty="0"/>
           </a:p>
@@ -5639,14 +5908,14 @@
       </p:sp>
       <p:sp>
         <p:nvSpPr>
-          <p:cNvPr id="14" name="矩形 13"/>
+          <p:cNvPr id="13" name="矩形 12"/>
           <p:cNvSpPr/>
           <p:nvPr/>
         </p:nvSpPr>
         <p:spPr>
           <a:xfrm>
-            <a:off x="6890060" y="3248060"/>
-            <a:ext cx="1706374" cy="468000"/>
+            <a:off x="2026940" y="3834431"/>
+            <a:ext cx="517635" cy="1296000"/>
           </a:xfrm>
           <a:prstGeom prst="rect">
             <a:avLst/>
@@ -5669,13 +5938,13 @@
           </a:fontRef>
         </p:style>
         <p:txBody>
-          <a:bodyPr rtlCol="0" anchor="ctr"/>
+          <a:bodyPr vert="eaVert" rtlCol="0" anchor="ctr"/>
           <a:lstStyle/>
           <a:p>
             <a:pPr algn="ctr"/>
             <a:r>
               <a:rPr lang="zh-CN" altLang="en-US" dirty="0" smtClean="0"/>
-              <a:t>订单管理</a:t>
+              <a:t>客户报价</a:t>
             </a:r>
             <a:endParaRPr lang="zh-CN" altLang="en-US" dirty="0"/>
           </a:p>
@@ -5683,14 +5952,14 @@
       </p:sp>
       <p:sp>
         <p:nvSpPr>
-          <p:cNvPr id="15" name="矩形 14"/>
+          <p:cNvPr id="14" name="矩形 13"/>
           <p:cNvSpPr/>
           <p:nvPr/>
         </p:nvSpPr>
         <p:spPr>
           <a:xfrm>
-            <a:off x="6890059" y="3820850"/>
-            <a:ext cx="517635" cy="1296000"/>
+            <a:off x="6890060" y="3248060"/>
+            <a:ext cx="1706374" cy="468000"/>
           </a:xfrm>
           <a:prstGeom prst="rect">
             <a:avLst/>
@@ -5713,7 +5982,7 @@
           </a:fontRef>
         </p:style>
         <p:txBody>
-          <a:bodyPr vert="eaVert" rtlCol="0" anchor="ctr"/>
+          <a:bodyPr rtlCol="0" anchor="ctr"/>
           <a:lstStyle/>
           <a:p>
             <a:pPr algn="ctr"/>
@@ -5727,13 +5996,13 @@
       </p:sp>
       <p:sp>
         <p:nvSpPr>
-          <p:cNvPr id="16" name="矩形 15"/>
+          <p:cNvPr id="15" name="矩形 14"/>
           <p:cNvSpPr/>
           <p:nvPr/>
         </p:nvSpPr>
         <p:spPr>
           <a:xfrm>
-            <a:off x="7484429" y="3832610"/>
+            <a:off x="6890059" y="3820850"/>
             <a:ext cx="517635" cy="1296000"/>
           </a:xfrm>
           <a:prstGeom prst="rect">
@@ -5761,19 +6030,23 @@
           <a:lstStyle/>
           <a:p>
             <a:pPr algn="ctr"/>
+            <a:r>
+              <a:rPr lang="zh-CN" altLang="en-US" dirty="0" smtClean="0"/>
+              <a:t>订单管理</a:t>
+            </a:r>
             <a:endParaRPr lang="zh-CN" altLang="en-US" dirty="0"/>
           </a:p>
         </p:txBody>
       </p:sp>
       <p:sp>
         <p:nvSpPr>
-          <p:cNvPr id="17" name="矩形 16"/>
+          <p:cNvPr id="16" name="矩形 15"/>
           <p:cNvSpPr/>
           <p:nvPr/>
         </p:nvSpPr>
         <p:spPr>
           <a:xfrm>
-            <a:off x="8078799" y="3831832"/>
+            <a:off x="7484429" y="3832610"/>
             <a:ext cx="517635" cy="1296000"/>
           </a:xfrm>
           <a:prstGeom prst="rect">
@@ -5807,14 +6080,14 @@
       </p:sp>
       <p:sp>
         <p:nvSpPr>
-          <p:cNvPr id="18" name="矩形 17"/>
+          <p:cNvPr id="17" name="矩形 16"/>
           <p:cNvSpPr/>
           <p:nvPr/>
         </p:nvSpPr>
         <p:spPr>
           <a:xfrm>
-            <a:off x="4963315" y="3250659"/>
-            <a:ext cx="1831626" cy="468000"/>
+            <a:off x="8078799" y="3831832"/>
+            <a:ext cx="517635" cy="1296000"/>
           </a:xfrm>
           <a:prstGeom prst="rect">
             <a:avLst/>
@@ -5837,6 +6110,46 @@
           </a:fontRef>
         </p:style>
         <p:txBody>
+          <a:bodyPr vert="eaVert" rtlCol="0" anchor="ctr"/>
+          <a:lstStyle/>
+          <a:p>
+            <a:pPr algn="ctr"/>
+            <a:endParaRPr lang="zh-CN" altLang="en-US" dirty="0"/>
+          </a:p>
+        </p:txBody>
+      </p:sp>
+      <p:sp>
+        <p:nvSpPr>
+          <p:cNvPr id="18" name="矩形 17"/>
+          <p:cNvSpPr/>
+          <p:nvPr/>
+        </p:nvSpPr>
+        <p:spPr>
+          <a:xfrm>
+            <a:off x="4963315" y="3250659"/>
+            <a:ext cx="1831626" cy="468000"/>
+          </a:xfrm>
+          <a:prstGeom prst="rect">
+            <a:avLst/>
+          </a:prstGeom>
+        </p:spPr>
+        <p:style>
+          <a:lnRef idx="2">
+            <a:schemeClr val="accent1">
+              <a:shade val="50000"/>
+            </a:schemeClr>
+          </a:lnRef>
+          <a:fillRef idx="1">
+            <a:schemeClr val="accent1"/>
+          </a:fillRef>
+          <a:effectRef idx="0">
+            <a:schemeClr val="accent1"/>
+          </a:effectRef>
+          <a:fontRef idx="minor">
+            <a:schemeClr val="lt1"/>
+          </a:fontRef>
+        </p:style>
+        <p:txBody>
           <a:bodyPr rtlCol="0" anchor="ctr"/>
           <a:lstStyle/>
           <a:p>
@@ -6079,7 +6392,7 @@
     </p:spTree>
     <p:extLst>
       <p:ext uri="{BB962C8B-B14F-4D97-AF65-F5344CB8AC3E}">
-        <p14:creationId xmlns:p14="http://schemas.microsoft.com/office/powerpoint/2010/main" val="15582771"/>
+        <p14:creationId xmlns:p14="http://schemas.microsoft.com/office/powerpoint/2010/main" val="2742953704"/>
       </p:ext>
     </p:extLst>
   </p:cSld>
@@ -6089,7 +6402,7 @@
 </p:sld>
 </file>
 
-<file path=ppt/slides/slide6.xml><?xml version="1.0" encoding="utf-8"?>
+<file path=ppt/slides/slide7.xml><?xml version="1.0" encoding="utf-8"?>
 <p:sld xmlns:a="http://schemas.openxmlformats.org/drawingml/2006/main" xmlns:r="http://schemas.openxmlformats.org/officeDocument/2006/relationships" xmlns:p="http://schemas.openxmlformats.org/presentationml/2006/main">
   <p:cSld>
     <p:spTree>
